--- a/Presentation/Ciaran O' Toole - C00297672 Project Presentation.pptx
+++ b/Presentation/Ciaran O' Toole - C00297672 Project Presentation.pptx
@@ -900,8 +900,8 @@
         </p:nvSpPr>
         <p:spPr>
           <a:xfrm>
-            <a:off x="1143225" y="685800"/>
-            <a:ext cx="4572225" cy="3429000"/>
+            <a:off x="381000" y="685800"/>
+            <a:ext cx="6096000" cy="3429000"/>
           </a:xfrm>
           <a:custGeom>
             <a:avLst/>
@@ -1004,8 +1004,8 @@
         </p:nvSpPr>
         <p:spPr>
           <a:xfrm>
-            <a:off x="1143225" y="685800"/>
-            <a:ext cx="4572225" cy="3429000"/>
+            <a:off x="381000" y="685800"/>
+            <a:ext cx="6096000" cy="3429000"/>
           </a:xfrm>
           <a:custGeom>
             <a:avLst/>
@@ -1316,8 +1316,8 @@
         </p:nvSpPr>
         <p:spPr>
           <a:xfrm>
-            <a:off x="1143225" y="685800"/>
-            <a:ext cx="4572225" cy="3429000"/>
+            <a:off x="381000" y="685800"/>
+            <a:ext cx="6096000" cy="3429000"/>
           </a:xfrm>
           <a:custGeom>
             <a:avLst/>
@@ -12164,7 +12164,7 @@
         <p:spPr>
           <a:xfrm>
             <a:off x="1321901" y="4065850"/>
-            <a:ext cx="11009100" cy="5091300"/>
+            <a:ext cx="11009100" cy="4715906"/>
           </a:xfrm>
           <a:prstGeom prst="rect">
             <a:avLst/>
@@ -12193,7 +12193,7 @@
               <a:buNone/>
             </a:pPr>
             <a:r>
-              <a:rPr lang="en-US" sz="2432" b="0" i="0" u="none" strike="noStrike" cap="none">
+              <a:rPr lang="en-US" sz="2432" b="0" i="0" u="none" strike="noStrike" cap="none" dirty="0">
                 <a:solidFill>
                   <a:srgbClr val="000000"/>
                 </a:solidFill>
@@ -12202,9 +12202,9 @@
                 <a:cs typeface="Arial"/>
                 <a:sym typeface="Arial"/>
               </a:rPr>
-              <a:t>Squares is mobile application which provides elderly individuals cognitive enhancement structured around everyday tasks. </a:t>
+              <a:t>Squares is a mobile application which provides elderly individuals cognitive enhancement structured around everyday tasks. </a:t>
             </a:r>
-            <a:endParaRPr/>
+            <a:endParaRPr dirty="0"/>
           </a:p>
           <a:p>
             <a:pPr marL="0" marR="0" lvl="0" indent="0" algn="l" rtl="0">
@@ -12219,7 +12219,7 @@
               </a:spcAft>
               <a:buNone/>
             </a:pPr>
-            <a:endParaRPr sz="2432" b="0" i="0" u="none" strike="noStrike" cap="none">
+            <a:endParaRPr sz="2432" b="0" i="0" u="none" strike="noStrike" cap="none" dirty="0">
               <a:solidFill>
                 <a:srgbClr val="000000"/>
               </a:solidFill>
@@ -12243,7 +12243,7 @@
               <a:buNone/>
             </a:pPr>
             <a:r>
-              <a:rPr lang="en-US" sz="2432" b="0" i="0" u="none" strike="noStrike" cap="none">
+              <a:rPr lang="en-US" sz="2432" b="0" i="0" u="none" strike="noStrike" cap="none" dirty="0">
                 <a:solidFill>
                   <a:srgbClr val="000000"/>
                 </a:solidFill>
@@ -12252,9 +12252,9 @@
                 <a:cs typeface="Arial"/>
                 <a:sym typeface="Arial"/>
               </a:rPr>
-              <a:t>The software, which supports independent living and cognitive function, employs a virtual coach to encourage commitment through personalised productivity comments and incentives. </a:t>
+              <a:t>The software, which supports independent living and cognitive function, employs a virtual coach to encourage commitment through personalized productivity comments and incentives. </a:t>
             </a:r>
-            <a:endParaRPr/>
+            <a:endParaRPr dirty="0"/>
           </a:p>
           <a:p>
             <a:pPr marL="0" marR="0" lvl="0" indent="0" algn="l" rtl="0">
@@ -12269,7 +12269,7 @@
               </a:spcAft>
               <a:buNone/>
             </a:pPr>
-            <a:endParaRPr sz="2432" b="0" i="0" u="none" strike="noStrike" cap="none">
+            <a:endParaRPr sz="2432" b="0" i="0" u="none" strike="noStrike" cap="none" dirty="0">
               <a:solidFill>
                 <a:srgbClr val="000000"/>
               </a:solidFill>
@@ -12302,14 +12302,10 @@
                 <a:cs typeface="Arial"/>
                 <a:sym typeface="Arial"/>
               </a:rPr>
-              <a:t>In </a:t>
+              <a:t>Squares </a:t>
             </a:r>
             <a:r>
-              <a:rPr lang="en-US" sz="2432"/>
-              <a:t>comparison</a:t>
-            </a:r>
-            <a:r>
-              <a:rPr lang="en-US" sz="2432" b="0" i="0" u="none" strike="noStrike" cap="none">
+              <a:rPr lang="en-US" sz="2432" b="0" i="0" u="none" strike="noStrike" cap="none" dirty="0">
                 <a:solidFill>
                   <a:srgbClr val="000000"/>
                 </a:solidFill>
@@ -12318,25 +12314,9 @@
                 <a:cs typeface="Arial"/>
                 <a:sym typeface="Arial"/>
               </a:rPr>
-              <a:t> to traditional puzzles like </a:t>
+              <a:t>emphasizes useful cognitive abilities related to daily activities and is offered to elderly individuals through an intuitive, age-appropriate user interface. </a:t>
             </a:r>
-            <a:r>
-              <a:rPr lang="en-US" sz="2432"/>
-              <a:t>Sudoku</a:t>
-            </a:r>
-            <a:r>
-              <a:rPr lang="en-US" sz="2432" b="0" i="0" u="none" strike="noStrike" cap="none">
-                <a:solidFill>
-                  <a:srgbClr val="000000"/>
-                </a:solidFill>
-                <a:latin typeface="Arial"/>
-                <a:ea typeface="Arial"/>
-                <a:cs typeface="Arial"/>
-                <a:sym typeface="Arial"/>
-              </a:rPr>
-              <a:t>/Crosswords, Squares emphasises useful cognitive abilities related to daily activities and is offered to elderly individuals through an intuitive, age-appropriate user interface. </a:t>
-            </a:r>
-            <a:endParaRPr/>
+            <a:endParaRPr dirty="0"/>
           </a:p>
         </p:txBody>
       </p:sp>
@@ -13088,7 +13068,7 @@
         <p:spPr>
           <a:xfrm>
             <a:off x="6814500" y="4054575"/>
-            <a:ext cx="10130400" cy="7179300"/>
+            <a:ext cx="10130400" cy="7326878"/>
           </a:xfrm>
           <a:prstGeom prst="rect">
             <a:avLst/>
@@ -13117,7 +13097,7 @@
               <a:buNone/>
             </a:pPr>
             <a:r>
-              <a:rPr lang="en-US" sz="2429" b="0" i="0" u="none" strike="noStrike" cap="none">
+              <a:rPr lang="en-US" sz="2429" b="0" i="0" u="none" strike="noStrike" cap="none" dirty="0">
                 <a:solidFill>
                   <a:srgbClr val="000B3D"/>
                 </a:solidFill>
@@ -13126,9 +13106,9 @@
                 <a:cs typeface="Public Sans"/>
                 <a:sym typeface="Public Sans"/>
               </a:rPr>
-              <a:t>React Native is a Framework used commonly for mobile application development using JavaScript and React (JavaScript Library). Using this a simple elderly friendly UI can be created.</a:t>
+              <a:t>React Native is a Framework used commonly for mobile application development using JavaScript and React (JavaScript Library). Using this, a simple elderly friendly UI can be created.</a:t>
             </a:r>
-            <a:endParaRPr/>
+            <a:endParaRPr dirty="0"/>
           </a:p>
           <a:p>
             <a:pPr marL="0" marR="0" lvl="0" indent="0" algn="just" rtl="0">
@@ -13143,7 +13123,7 @@
               </a:spcAft>
               <a:buNone/>
             </a:pPr>
-            <a:endParaRPr sz="2429" b="0" i="0" u="none" strike="noStrike" cap="none">
+            <a:endParaRPr sz="2429" b="0" i="0" u="none" strike="noStrike" cap="none" dirty="0">
               <a:solidFill>
                 <a:srgbClr val="000B3D"/>
               </a:solidFill>
@@ -13167,7 +13147,7 @@
               <a:buNone/>
             </a:pPr>
             <a:r>
-              <a:rPr lang="en-US" sz="2429" b="0" i="0" u="none" strike="noStrike" cap="none">
+              <a:rPr lang="en-US" sz="2429" b="0" i="0" u="none" strike="noStrike" cap="none" dirty="0">
                 <a:solidFill>
                   <a:srgbClr val="000B3D"/>
                 </a:solidFill>
@@ -13176,9 +13156,81 @@
                 <a:cs typeface="Public Sans"/>
                 <a:sym typeface="Public Sans"/>
               </a:rPr>
-              <a:t>Using PuzzleMe I will develop my own applications and include PuzzleMe features through the PuzzleMe APIs.</a:t>
+              <a:t>Using </a:t>
             </a:r>
-            <a:endParaRPr/>
+            <a:r>
+              <a:rPr lang="en-US" sz="2429" b="0" i="0" u="none" strike="noStrike" cap="none" dirty="0" err="1">
+                <a:solidFill>
+                  <a:srgbClr val="000B3D"/>
+                </a:solidFill>
+                <a:latin typeface="Public Sans"/>
+                <a:ea typeface="Public Sans"/>
+                <a:cs typeface="Public Sans"/>
+                <a:sym typeface="Public Sans"/>
+              </a:rPr>
+              <a:t>PuzzleMe</a:t>
+            </a:r>
+            <a:r>
+              <a:rPr lang="en-US" sz="2429" b="0" i="0" u="none" strike="noStrike" cap="none" dirty="0">
+                <a:solidFill>
+                  <a:srgbClr val="000B3D"/>
+                </a:solidFill>
+                <a:latin typeface="Public Sans"/>
+                <a:ea typeface="Public Sans"/>
+                <a:cs typeface="Public Sans"/>
+                <a:sym typeface="Public Sans"/>
+              </a:rPr>
+              <a:t> I will develop my own applications and include </a:t>
+            </a:r>
+            <a:r>
+              <a:rPr lang="en-US" sz="2429" b="0" i="0" u="none" strike="noStrike" cap="none" dirty="0" err="1">
+                <a:solidFill>
+                  <a:srgbClr val="000B3D"/>
+                </a:solidFill>
+                <a:latin typeface="Public Sans"/>
+                <a:ea typeface="Public Sans"/>
+                <a:cs typeface="Public Sans"/>
+                <a:sym typeface="Public Sans"/>
+              </a:rPr>
+              <a:t>PuzzleMe</a:t>
+            </a:r>
+            <a:r>
+              <a:rPr lang="en-US" sz="2429" b="0" i="0" u="none" strike="noStrike" cap="none" dirty="0">
+                <a:solidFill>
+                  <a:srgbClr val="000B3D"/>
+                </a:solidFill>
+                <a:latin typeface="Public Sans"/>
+                <a:ea typeface="Public Sans"/>
+                <a:cs typeface="Public Sans"/>
+                <a:sym typeface="Public Sans"/>
+              </a:rPr>
+              <a:t> features through the </a:t>
+            </a:r>
+            <a:r>
+              <a:rPr lang="en-US" sz="2429" b="0" i="0" u="none" strike="noStrike" cap="none" dirty="0" err="1">
+                <a:solidFill>
+                  <a:srgbClr val="000B3D"/>
+                </a:solidFill>
+                <a:latin typeface="Public Sans"/>
+                <a:ea typeface="Public Sans"/>
+                <a:cs typeface="Public Sans"/>
+                <a:sym typeface="Public Sans"/>
+              </a:rPr>
+              <a:t>PuzzleMe</a:t>
+            </a:r>
+            <a:r>
+              <a:rPr lang="en-US" sz="2429" b="0" i="0" u="none" strike="noStrike" cap="none" dirty="0">
+                <a:solidFill>
+                  <a:srgbClr val="000B3D"/>
+                </a:solidFill>
+                <a:latin typeface="Public Sans"/>
+                <a:ea typeface="Public Sans"/>
+                <a:cs typeface="Public Sans"/>
+                <a:sym typeface="Public Sans"/>
+              </a:rPr>
+              <a:t> APIs.</a:t>
+            </a:r>
+            <a:endParaRPr dirty="0"/>
           </a:p>
           <a:p>
             <a:pPr marL="0" marR="0" lvl="0" indent="0" algn="just" rtl="0">
@@ -13193,7 +13245,7 @@
               </a:spcAft>
               <a:buNone/>
             </a:pPr>
-            <a:endParaRPr sz="2429" b="0" i="0" u="none" strike="noStrike" cap="none">
+            <a:endParaRPr sz="2429" b="0" i="0" u="none" strike="noStrike" cap="none" dirty="0">
               <a:solidFill>
                 <a:srgbClr val="000B3D"/>
               </a:solidFill>
@@ -13217,7 +13269,7 @@
               <a:buNone/>
             </a:pPr>
             <a:r>
-              <a:rPr lang="en-US" sz="2429" b="0" i="0" u="none" strike="noStrike" cap="none">
+              <a:rPr lang="en-US" sz="2429" b="0" i="0" u="none" strike="noStrike" cap="none" dirty="0">
                 <a:solidFill>
                   <a:srgbClr val="000B3D"/>
                 </a:solidFill>
@@ -13228,7 +13280,7 @@
               </a:rPr>
               <a:t>Amazon Web Services will be used for hosting User data, track scores, etc. This allows for updating &amp; tracking of user data through our app. </a:t>
             </a:r>
-            <a:endParaRPr/>
+            <a:endParaRPr dirty="0"/>
           </a:p>
           <a:p>
             <a:pPr marL="0" marR="0" lvl="0" indent="0" algn="just" rtl="0">
@@ -13243,7 +13295,7 @@
               </a:spcAft>
               <a:buNone/>
             </a:pPr>
-            <a:endParaRPr sz="2429" b="0" i="0" u="none" strike="noStrike" cap="none">
+            <a:endParaRPr sz="2429" b="0" i="0" u="none" strike="noStrike" cap="none" dirty="0">
               <a:solidFill>
                 <a:srgbClr val="000B3D"/>
               </a:solidFill>
@@ -13266,7 +13318,7 @@
               </a:spcAft>
               <a:buNone/>
             </a:pPr>
-            <a:endParaRPr sz="2429" b="0" i="0" u="none" strike="noStrike" cap="none">
+            <a:endParaRPr sz="2429" b="0" i="0" u="none" strike="noStrike" cap="none" dirty="0">
               <a:solidFill>
                 <a:srgbClr val="000B3D"/>
               </a:solidFill>
@@ -13289,7 +13341,7 @@
               </a:spcAft>
               <a:buNone/>
             </a:pPr>
-            <a:endParaRPr sz="2429" b="0" i="0" u="none" strike="noStrike" cap="none">
+            <a:endParaRPr sz="2429" b="0" i="0" u="none" strike="noStrike" cap="none" dirty="0">
               <a:solidFill>
                 <a:srgbClr val="000B3D"/>
               </a:solidFill>
@@ -13312,7 +13364,7 @@
               </a:spcAft>
               <a:buNone/>
             </a:pPr>
-            <a:endParaRPr sz="2429" b="0" i="0" u="none" strike="noStrike" cap="none">
+            <a:endParaRPr sz="2429" b="0" i="0" u="none" strike="noStrike" cap="none" dirty="0">
               <a:solidFill>
                 <a:srgbClr val="000B3D"/>
               </a:solidFill>
@@ -13335,7 +13387,7 @@
               </a:spcAft>
               <a:buNone/>
             </a:pPr>
-            <a:endParaRPr sz="2429" b="0" i="0" u="none" strike="noStrike" cap="none">
+            <a:endParaRPr sz="2429" b="0" i="0" u="none" strike="noStrike" cap="none" dirty="0">
               <a:solidFill>
                 <a:srgbClr val="000B3D"/>
               </a:solidFill>
@@ -15983,7 +16035,7 @@
         <p:spPr>
           <a:xfrm>
             <a:off x="1709065" y="4488469"/>
-            <a:ext cx="9911239" cy="3853053"/>
+            <a:ext cx="9911239" cy="4710136"/>
           </a:xfrm>
           <a:prstGeom prst="rect">
             <a:avLst/>
@@ -16017,7 +16069,7 @@
               <a:buChar char="•"/>
             </a:pPr>
             <a:r>
-              <a:rPr lang="en-US" sz="2429" b="0" i="0" u="none" strike="noStrike" cap="none">
+              <a:rPr lang="en-US" sz="2429" b="0" i="0" u="none" strike="noStrike" cap="none" dirty="0">
                 <a:solidFill>
                   <a:srgbClr val="000B3D"/>
                 </a:solidFill>
@@ -16028,7 +16080,7 @@
               </a:rPr>
               <a:t>Assess performance, speed, correctness, etc.</a:t>
             </a:r>
-            <a:endParaRPr/>
+            <a:endParaRPr dirty="0"/>
           </a:p>
           <a:p>
             <a:pPr marL="0" marR="0" lvl="0" indent="0" algn="l" rtl="0">
@@ -16043,7 +16095,7 @@
               </a:spcAft>
               <a:buNone/>
             </a:pPr>
-            <a:endParaRPr sz="2429" b="0" i="0" u="none" strike="noStrike" cap="none">
+            <a:endParaRPr sz="2429" b="0" i="0" u="none" strike="noStrike" cap="none" dirty="0">
               <a:solidFill>
                 <a:srgbClr val="000B3D"/>
               </a:solidFill>
@@ -16072,7 +16124,7 @@
               <a:buChar char="•"/>
             </a:pPr>
             <a:r>
-              <a:rPr lang="en-US" sz="2429" b="0" i="0" u="none" strike="noStrike" cap="none">
+              <a:rPr lang="en-US" sz="2429" b="0" i="0" u="none" strike="noStrike" cap="none" dirty="0">
                 <a:solidFill>
                   <a:srgbClr val="000B3D"/>
                 </a:solidFill>
@@ -16081,9 +16133,9 @@
                 <a:cs typeface="Public Sans"/>
                 <a:sym typeface="Public Sans"/>
               </a:rPr>
-              <a:t>Analyze data and track falls in progression.</a:t>
+              <a:t>Analyze data and track falls/peaks in progression.</a:t>
             </a:r>
-            <a:endParaRPr/>
+            <a:endParaRPr dirty="0"/>
           </a:p>
           <a:p>
             <a:pPr marL="0" marR="0" lvl="0" indent="0" algn="l" rtl="0">
@@ -16098,7 +16150,7 @@
               </a:spcAft>
               <a:buNone/>
             </a:pPr>
-            <a:endParaRPr sz="2429" b="0" i="0" u="none" strike="noStrike" cap="none">
+            <a:endParaRPr sz="2429" b="0" i="0" u="none" strike="noStrike" cap="none" dirty="0">
               <a:solidFill>
                 <a:srgbClr val="000B3D"/>
               </a:solidFill>
@@ -16127,7 +16179,7 @@
               <a:buChar char="•"/>
             </a:pPr>
             <a:r>
-              <a:rPr lang="en-US" sz="2429" b="0" i="0" u="none" strike="noStrike" cap="none">
+              <a:rPr lang="en-US" sz="2429" b="0" i="0" u="none" strike="noStrike" cap="none" dirty="0">
                 <a:solidFill>
                   <a:srgbClr val="000B3D"/>
                 </a:solidFill>
@@ -16138,7 +16190,7 @@
               </a:rPr>
               <a:t>Adjust puzzle difficulty accordingly &amp; shift focus to weaker pillars.</a:t>
             </a:r>
-            <a:endParaRPr/>
+            <a:endParaRPr dirty="0"/>
           </a:p>
           <a:p>
             <a:pPr marL="0" marR="0" lvl="0" indent="0" algn="l" rtl="0">
@@ -16153,7 +16205,7 @@
               </a:spcAft>
               <a:buNone/>
             </a:pPr>
-            <a:endParaRPr sz="2429" b="0" i="0" u="none" strike="noStrike" cap="none">
+            <a:endParaRPr sz="2429" b="0" i="0" u="none" strike="noStrike" cap="none" dirty="0">
               <a:solidFill>
                 <a:srgbClr val="000B3D"/>
               </a:solidFill>
@@ -16182,7 +16234,7 @@
               <a:buChar char="•"/>
             </a:pPr>
             <a:r>
-              <a:rPr lang="en-US" sz="2429" b="0" i="0" u="none" strike="noStrike" cap="none">
+              <a:rPr lang="en-US" sz="2429" b="0" i="0" u="none" strike="noStrike" cap="none" dirty="0">
                 <a:solidFill>
                   <a:srgbClr val="000B3D"/>
                 </a:solidFill>
@@ -16193,7 +16245,7 @@
               </a:rPr>
               <a:t>Assist users with feedback.</a:t>
             </a:r>
-            <a:endParaRPr/>
+            <a:endParaRPr dirty="0"/>
           </a:p>
           <a:p>
             <a:pPr marL="0" marR="0" lvl="0" indent="0" algn="l" rtl="0">
@@ -16208,7 +16260,7 @@
               </a:spcAft>
               <a:buNone/>
             </a:pPr>
-            <a:endParaRPr sz="2429" b="0" i="0" u="none" strike="noStrike" cap="none">
+            <a:endParaRPr sz="2429" b="0" i="0" u="none" strike="noStrike" cap="none" dirty="0">
               <a:solidFill>
                 <a:srgbClr val="000B3D"/>
               </a:solidFill>
@@ -16421,7 +16473,7 @@
               <a:buNone/>
             </a:pPr>
             <a:r>
-              <a:rPr lang="en-US" sz="6500" b="1" i="0" u="none" strike="noStrike" cap="none">
+              <a:rPr lang="en-US" sz="6500" b="1" i="0" u="none" strike="noStrike" cap="none" dirty="0">
                 <a:solidFill>
                   <a:srgbClr val="000B3D"/>
                 </a:solidFill>
@@ -16430,9 +16482,9 @@
                 <a:cs typeface="Public Sans Black"/>
                 <a:sym typeface="Public Sans Black"/>
               </a:rPr>
-              <a:t>HOW WE TRACK DATA &amp; ASSISTS GROWTH</a:t>
+              <a:t>HOW WE TRACK DATA &amp; ASSIST GROWTH</a:t>
             </a:r>
-            <a:endParaRPr sz="6500"/>
+            <a:endParaRPr sz="6500" dirty="0"/>
           </a:p>
         </p:txBody>
       </p:sp>
